--- a/Section11 - Sorting/SortAlgorithms.pptx
+++ b/Section11 - Sorting/SortAlgorithms.pptx
@@ -163,10 +163,9 @@
           </a:lstStyle>
           <a:p>
             <a:r>
-              <a:rPr lang="en-US" smtClean="0"/>
+              <a:rPr lang="en-US"/>
               <a:t>Click to edit Master title style</a:t>
             </a:r>
-            <a:endParaRPr lang="en-US"/>
           </a:p>
         </p:txBody>
       </p:sp>
@@ -228,10 +227,9 @@
           </a:lstStyle>
           <a:p>
             <a:r>
-              <a:rPr lang="en-US" smtClean="0"/>
+              <a:rPr lang="en-US"/>
               <a:t>Click to edit Master subtitle style</a:t>
             </a:r>
-            <a:endParaRPr lang="en-US"/>
           </a:p>
         </p:txBody>
       </p:sp>
@@ -252,7 +250,7 @@
           <a:p>
             <a:fld id="{C8E39FBD-7C3E-45BB-AFDF-EEFAD31240EE}" type="datetimeFigureOut">
               <a:rPr lang="en-US" smtClean="0"/>
-              <a:t>1/26/2020</a:t>
+              <a:t>6/23/2020</a:t>
             </a:fld>
             <a:endParaRPr lang="en-US"/>
           </a:p>
@@ -346,10 +344,9 @@
           <a:lstStyle/>
           <a:p>
             <a:r>
-              <a:rPr lang="en-US" smtClean="0"/>
+              <a:rPr lang="en-US"/>
               <a:t>Click to edit Master title style</a:t>
             </a:r>
-            <a:endParaRPr lang="en-US"/>
           </a:p>
         </p:txBody>
       </p:sp>
@@ -370,38 +367,37 @@
           <a:p>
             <a:pPr lvl="0"/>
             <a:r>
-              <a:rPr lang="en-US" smtClean="0"/>
+              <a:rPr lang="en-US"/>
               <a:t>Edit Master text styles</a:t>
             </a:r>
           </a:p>
           <a:p>
             <a:pPr lvl="1"/>
             <a:r>
-              <a:rPr lang="en-US" smtClean="0"/>
+              <a:rPr lang="en-US"/>
               <a:t>Second level</a:t>
             </a:r>
           </a:p>
           <a:p>
             <a:pPr lvl="2"/>
             <a:r>
-              <a:rPr lang="en-US" smtClean="0"/>
+              <a:rPr lang="en-US"/>
               <a:t>Third level</a:t>
             </a:r>
           </a:p>
           <a:p>
             <a:pPr lvl="3"/>
             <a:r>
-              <a:rPr lang="en-US" smtClean="0"/>
+              <a:rPr lang="en-US"/>
               <a:t>Fourth level</a:t>
             </a:r>
           </a:p>
           <a:p>
             <a:pPr lvl="4"/>
             <a:r>
-              <a:rPr lang="en-US" smtClean="0"/>
+              <a:rPr lang="en-US"/>
               <a:t>Fifth level</a:t>
             </a:r>
-            <a:endParaRPr lang="en-US"/>
           </a:p>
         </p:txBody>
       </p:sp>
@@ -422,7 +418,7 @@
           <a:p>
             <a:fld id="{C8E39FBD-7C3E-45BB-AFDF-EEFAD31240EE}" type="datetimeFigureOut">
               <a:rPr lang="en-US" smtClean="0"/>
-              <a:t>1/26/2020</a:t>
+              <a:t>6/23/2020</a:t>
             </a:fld>
             <a:endParaRPr lang="en-US"/>
           </a:p>
@@ -521,10 +517,9 @@
           <a:lstStyle/>
           <a:p>
             <a:r>
-              <a:rPr lang="en-US" smtClean="0"/>
+              <a:rPr lang="en-US"/>
               <a:t>Click to edit Master title style</a:t>
             </a:r>
-            <a:endParaRPr lang="en-US"/>
           </a:p>
         </p:txBody>
       </p:sp>
@@ -550,38 +545,37 @@
           <a:p>
             <a:pPr lvl="0"/>
             <a:r>
-              <a:rPr lang="en-US" smtClean="0"/>
+              <a:rPr lang="en-US"/>
               <a:t>Edit Master text styles</a:t>
             </a:r>
           </a:p>
           <a:p>
             <a:pPr lvl="1"/>
             <a:r>
-              <a:rPr lang="en-US" smtClean="0"/>
+              <a:rPr lang="en-US"/>
               <a:t>Second level</a:t>
             </a:r>
           </a:p>
           <a:p>
             <a:pPr lvl="2"/>
             <a:r>
-              <a:rPr lang="en-US" smtClean="0"/>
+              <a:rPr lang="en-US"/>
               <a:t>Third level</a:t>
             </a:r>
           </a:p>
           <a:p>
             <a:pPr lvl="3"/>
             <a:r>
-              <a:rPr lang="en-US" smtClean="0"/>
+              <a:rPr lang="en-US"/>
               <a:t>Fourth level</a:t>
             </a:r>
           </a:p>
           <a:p>
             <a:pPr lvl="4"/>
             <a:r>
-              <a:rPr lang="en-US" smtClean="0"/>
+              <a:rPr lang="en-US"/>
               <a:t>Fifth level</a:t>
             </a:r>
-            <a:endParaRPr lang="en-US"/>
           </a:p>
         </p:txBody>
       </p:sp>
@@ -602,7 +596,7 @@
           <a:p>
             <a:fld id="{C8E39FBD-7C3E-45BB-AFDF-EEFAD31240EE}" type="datetimeFigureOut">
               <a:rPr lang="en-US" smtClean="0"/>
-              <a:t>1/26/2020</a:t>
+              <a:t>6/23/2020</a:t>
             </a:fld>
             <a:endParaRPr lang="en-US"/>
           </a:p>
@@ -696,10 +690,9 @@
           <a:lstStyle/>
           <a:p>
             <a:r>
-              <a:rPr lang="en-US" smtClean="0"/>
+              <a:rPr lang="en-US"/>
               <a:t>Click to edit Master title style</a:t>
             </a:r>
-            <a:endParaRPr lang="en-US"/>
           </a:p>
         </p:txBody>
       </p:sp>
@@ -720,38 +713,37 @@
           <a:p>
             <a:pPr lvl="0"/>
             <a:r>
-              <a:rPr lang="en-US" smtClean="0"/>
+              <a:rPr lang="en-US"/>
               <a:t>Edit Master text styles</a:t>
             </a:r>
           </a:p>
           <a:p>
             <a:pPr lvl="1"/>
             <a:r>
-              <a:rPr lang="en-US" smtClean="0"/>
+              <a:rPr lang="en-US"/>
               <a:t>Second level</a:t>
             </a:r>
           </a:p>
           <a:p>
             <a:pPr lvl="2"/>
             <a:r>
-              <a:rPr lang="en-US" smtClean="0"/>
+              <a:rPr lang="en-US"/>
               <a:t>Third level</a:t>
             </a:r>
           </a:p>
           <a:p>
             <a:pPr lvl="3"/>
             <a:r>
-              <a:rPr lang="en-US" smtClean="0"/>
+              <a:rPr lang="en-US"/>
               <a:t>Fourth level</a:t>
             </a:r>
           </a:p>
           <a:p>
             <a:pPr lvl="4"/>
             <a:r>
-              <a:rPr lang="en-US" smtClean="0"/>
+              <a:rPr lang="en-US"/>
               <a:t>Fifth level</a:t>
             </a:r>
-            <a:endParaRPr lang="en-US"/>
           </a:p>
         </p:txBody>
       </p:sp>
@@ -772,7 +764,7 @@
           <a:p>
             <a:fld id="{C8E39FBD-7C3E-45BB-AFDF-EEFAD31240EE}" type="datetimeFigureOut">
               <a:rPr lang="en-US" smtClean="0"/>
-              <a:t>1/26/2020</a:t>
+              <a:t>6/23/2020</a:t>
             </a:fld>
             <a:endParaRPr lang="en-US"/>
           </a:p>
@@ -875,10 +867,9 @@
           </a:lstStyle>
           <a:p>
             <a:r>
-              <a:rPr lang="en-US" smtClean="0"/>
+              <a:rPr lang="en-US"/>
               <a:t>Click to edit Master title style</a:t>
             </a:r>
-            <a:endParaRPr lang="en-US"/>
           </a:p>
         </p:txBody>
       </p:sp>
@@ -995,7 +986,7 @@
           <a:p>
             <a:pPr lvl="0"/>
             <a:r>
-              <a:rPr lang="en-US" smtClean="0"/>
+              <a:rPr lang="en-US"/>
               <a:t>Edit Master text styles</a:t>
             </a:r>
           </a:p>
@@ -1018,7 +1009,7 @@
           <a:p>
             <a:fld id="{C8E39FBD-7C3E-45BB-AFDF-EEFAD31240EE}" type="datetimeFigureOut">
               <a:rPr lang="en-US" smtClean="0"/>
-              <a:t>1/26/2020</a:t>
+              <a:t>6/23/2020</a:t>
             </a:fld>
             <a:endParaRPr lang="en-US"/>
           </a:p>
@@ -1112,10 +1103,9 @@
           <a:lstStyle/>
           <a:p>
             <a:r>
-              <a:rPr lang="en-US" smtClean="0"/>
+              <a:rPr lang="en-US"/>
               <a:t>Click to edit Master title style</a:t>
             </a:r>
-            <a:endParaRPr lang="en-US"/>
           </a:p>
         </p:txBody>
       </p:sp>
@@ -1141,38 +1131,37 @@
           <a:p>
             <a:pPr lvl="0"/>
             <a:r>
-              <a:rPr lang="en-US" smtClean="0"/>
+              <a:rPr lang="en-US"/>
               <a:t>Edit Master text styles</a:t>
             </a:r>
           </a:p>
           <a:p>
             <a:pPr lvl="1"/>
             <a:r>
-              <a:rPr lang="en-US" smtClean="0"/>
+              <a:rPr lang="en-US"/>
               <a:t>Second level</a:t>
             </a:r>
           </a:p>
           <a:p>
             <a:pPr lvl="2"/>
             <a:r>
-              <a:rPr lang="en-US" smtClean="0"/>
+              <a:rPr lang="en-US"/>
               <a:t>Third level</a:t>
             </a:r>
           </a:p>
           <a:p>
             <a:pPr lvl="3"/>
             <a:r>
-              <a:rPr lang="en-US" smtClean="0"/>
+              <a:rPr lang="en-US"/>
               <a:t>Fourth level</a:t>
             </a:r>
           </a:p>
           <a:p>
             <a:pPr lvl="4"/>
             <a:r>
-              <a:rPr lang="en-US" smtClean="0"/>
+              <a:rPr lang="en-US"/>
               <a:t>Fifth level</a:t>
             </a:r>
-            <a:endParaRPr lang="en-US"/>
           </a:p>
         </p:txBody>
       </p:sp>
@@ -1198,38 +1187,37 @@
           <a:p>
             <a:pPr lvl="0"/>
             <a:r>
-              <a:rPr lang="en-US" smtClean="0"/>
+              <a:rPr lang="en-US"/>
               <a:t>Edit Master text styles</a:t>
             </a:r>
           </a:p>
           <a:p>
             <a:pPr lvl="1"/>
             <a:r>
-              <a:rPr lang="en-US" smtClean="0"/>
+              <a:rPr lang="en-US"/>
               <a:t>Second level</a:t>
             </a:r>
           </a:p>
           <a:p>
             <a:pPr lvl="2"/>
             <a:r>
-              <a:rPr lang="en-US" smtClean="0"/>
+              <a:rPr lang="en-US"/>
               <a:t>Third level</a:t>
             </a:r>
           </a:p>
           <a:p>
             <a:pPr lvl="3"/>
             <a:r>
-              <a:rPr lang="en-US" smtClean="0"/>
+              <a:rPr lang="en-US"/>
               <a:t>Fourth level</a:t>
             </a:r>
           </a:p>
           <a:p>
             <a:pPr lvl="4"/>
             <a:r>
-              <a:rPr lang="en-US" smtClean="0"/>
+              <a:rPr lang="en-US"/>
               <a:t>Fifth level</a:t>
             </a:r>
-            <a:endParaRPr lang="en-US"/>
           </a:p>
         </p:txBody>
       </p:sp>
@@ -1250,7 +1238,7 @@
           <a:p>
             <a:fld id="{C8E39FBD-7C3E-45BB-AFDF-EEFAD31240EE}" type="datetimeFigureOut">
               <a:rPr lang="en-US" smtClean="0"/>
-              <a:t>1/26/2020</a:t>
+              <a:t>6/23/2020</a:t>
             </a:fld>
             <a:endParaRPr lang="en-US"/>
           </a:p>
@@ -1349,10 +1337,9 @@
           <a:lstStyle/>
           <a:p>
             <a:r>
-              <a:rPr lang="en-US" smtClean="0"/>
+              <a:rPr lang="en-US"/>
               <a:t>Click to edit Master title style</a:t>
             </a:r>
-            <a:endParaRPr lang="en-US"/>
           </a:p>
         </p:txBody>
       </p:sp>
@@ -1415,7 +1402,7 @@
           <a:p>
             <a:pPr lvl="0"/>
             <a:r>
-              <a:rPr lang="en-US" smtClean="0"/>
+              <a:rPr lang="en-US"/>
               <a:t>Edit Master text styles</a:t>
             </a:r>
           </a:p>
@@ -1443,38 +1430,37 @@
           <a:p>
             <a:pPr lvl="0"/>
             <a:r>
-              <a:rPr lang="en-US" smtClean="0"/>
+              <a:rPr lang="en-US"/>
               <a:t>Edit Master text styles</a:t>
             </a:r>
           </a:p>
           <a:p>
             <a:pPr lvl="1"/>
             <a:r>
-              <a:rPr lang="en-US" smtClean="0"/>
+              <a:rPr lang="en-US"/>
               <a:t>Second level</a:t>
             </a:r>
           </a:p>
           <a:p>
             <a:pPr lvl="2"/>
             <a:r>
-              <a:rPr lang="en-US" smtClean="0"/>
+              <a:rPr lang="en-US"/>
               <a:t>Third level</a:t>
             </a:r>
           </a:p>
           <a:p>
             <a:pPr lvl="3"/>
             <a:r>
-              <a:rPr lang="en-US" smtClean="0"/>
+              <a:rPr lang="en-US"/>
               <a:t>Fourth level</a:t>
             </a:r>
           </a:p>
           <a:p>
             <a:pPr lvl="4"/>
             <a:r>
-              <a:rPr lang="en-US" smtClean="0"/>
+              <a:rPr lang="en-US"/>
               <a:t>Fifth level</a:t>
             </a:r>
-            <a:endParaRPr lang="en-US"/>
           </a:p>
         </p:txBody>
       </p:sp>
@@ -1537,7 +1523,7 @@
           <a:p>
             <a:pPr lvl="0"/>
             <a:r>
-              <a:rPr lang="en-US" smtClean="0"/>
+              <a:rPr lang="en-US"/>
               <a:t>Edit Master text styles</a:t>
             </a:r>
           </a:p>
@@ -1565,38 +1551,37 @@
           <a:p>
             <a:pPr lvl="0"/>
             <a:r>
-              <a:rPr lang="en-US" smtClean="0"/>
+              <a:rPr lang="en-US"/>
               <a:t>Edit Master text styles</a:t>
             </a:r>
           </a:p>
           <a:p>
             <a:pPr lvl="1"/>
             <a:r>
-              <a:rPr lang="en-US" smtClean="0"/>
+              <a:rPr lang="en-US"/>
               <a:t>Second level</a:t>
             </a:r>
           </a:p>
           <a:p>
             <a:pPr lvl="2"/>
             <a:r>
-              <a:rPr lang="en-US" smtClean="0"/>
+              <a:rPr lang="en-US"/>
               <a:t>Third level</a:t>
             </a:r>
           </a:p>
           <a:p>
             <a:pPr lvl="3"/>
             <a:r>
-              <a:rPr lang="en-US" smtClean="0"/>
+              <a:rPr lang="en-US"/>
               <a:t>Fourth level</a:t>
             </a:r>
           </a:p>
           <a:p>
             <a:pPr lvl="4"/>
             <a:r>
-              <a:rPr lang="en-US" smtClean="0"/>
+              <a:rPr lang="en-US"/>
               <a:t>Fifth level</a:t>
             </a:r>
-            <a:endParaRPr lang="en-US"/>
           </a:p>
         </p:txBody>
       </p:sp>
@@ -1617,7 +1602,7 @@
           <a:p>
             <a:fld id="{C8E39FBD-7C3E-45BB-AFDF-EEFAD31240EE}" type="datetimeFigureOut">
               <a:rPr lang="en-US" smtClean="0"/>
-              <a:t>1/26/2020</a:t>
+              <a:t>6/23/2020</a:t>
             </a:fld>
             <a:endParaRPr lang="en-US"/>
           </a:p>
@@ -1711,10 +1696,9 @@
           <a:lstStyle/>
           <a:p>
             <a:r>
-              <a:rPr lang="en-US" smtClean="0"/>
+              <a:rPr lang="en-US"/>
               <a:t>Click to edit Master title style</a:t>
             </a:r>
-            <a:endParaRPr lang="en-US"/>
           </a:p>
         </p:txBody>
       </p:sp>
@@ -1735,7 +1719,7 @@
           <a:p>
             <a:fld id="{C8E39FBD-7C3E-45BB-AFDF-EEFAD31240EE}" type="datetimeFigureOut">
               <a:rPr lang="en-US" smtClean="0"/>
-              <a:t>1/26/2020</a:t>
+              <a:t>6/23/2020</a:t>
             </a:fld>
             <a:endParaRPr lang="en-US"/>
           </a:p>
@@ -1830,7 +1814,7 @@
           <a:p>
             <a:fld id="{C8E39FBD-7C3E-45BB-AFDF-EEFAD31240EE}" type="datetimeFigureOut">
               <a:rPr lang="en-US" smtClean="0"/>
-              <a:t>1/26/2020</a:t>
+              <a:t>6/23/2020</a:t>
             </a:fld>
             <a:endParaRPr lang="en-US"/>
           </a:p>
@@ -1933,10 +1917,9 @@
           </a:lstStyle>
           <a:p>
             <a:r>
-              <a:rPr lang="en-US" smtClean="0"/>
+              <a:rPr lang="en-US"/>
               <a:t>Click to edit Master title style</a:t>
             </a:r>
-            <a:endParaRPr lang="en-US"/>
           </a:p>
         </p:txBody>
       </p:sp>
@@ -1990,38 +1973,37 @@
           <a:p>
             <a:pPr lvl="0"/>
             <a:r>
-              <a:rPr lang="en-US" smtClean="0"/>
+              <a:rPr lang="en-US"/>
               <a:t>Edit Master text styles</a:t>
             </a:r>
           </a:p>
           <a:p>
             <a:pPr lvl="1"/>
             <a:r>
-              <a:rPr lang="en-US" smtClean="0"/>
+              <a:rPr lang="en-US"/>
               <a:t>Second level</a:t>
             </a:r>
           </a:p>
           <a:p>
             <a:pPr lvl="2"/>
             <a:r>
-              <a:rPr lang="en-US" smtClean="0"/>
+              <a:rPr lang="en-US"/>
               <a:t>Third level</a:t>
             </a:r>
           </a:p>
           <a:p>
             <a:pPr lvl="3"/>
             <a:r>
-              <a:rPr lang="en-US" smtClean="0"/>
+              <a:rPr lang="en-US"/>
               <a:t>Fourth level</a:t>
             </a:r>
           </a:p>
           <a:p>
             <a:pPr lvl="4"/>
             <a:r>
-              <a:rPr lang="en-US" smtClean="0"/>
+              <a:rPr lang="en-US"/>
               <a:t>Fifth level</a:t>
             </a:r>
-            <a:endParaRPr lang="en-US"/>
           </a:p>
         </p:txBody>
       </p:sp>
@@ -2084,7 +2066,7 @@
           <a:p>
             <a:pPr lvl="0"/>
             <a:r>
-              <a:rPr lang="en-US" smtClean="0"/>
+              <a:rPr lang="en-US"/>
               <a:t>Edit Master text styles</a:t>
             </a:r>
           </a:p>
@@ -2107,7 +2089,7 @@
           <a:p>
             <a:fld id="{C8E39FBD-7C3E-45BB-AFDF-EEFAD31240EE}" type="datetimeFigureOut">
               <a:rPr lang="en-US" smtClean="0"/>
-              <a:t>1/26/2020</a:t>
+              <a:t>6/23/2020</a:t>
             </a:fld>
             <a:endParaRPr lang="en-US"/>
           </a:p>
@@ -2210,10 +2192,9 @@
           </a:lstStyle>
           <a:p>
             <a:r>
-              <a:rPr lang="en-US" smtClean="0"/>
+              <a:rPr lang="en-US"/>
               <a:t>Click to edit Master title style</a:t>
             </a:r>
-            <a:endParaRPr lang="en-US"/>
           </a:p>
         </p:txBody>
       </p:sp>
@@ -2337,7 +2318,7 @@
           <a:p>
             <a:pPr lvl="0"/>
             <a:r>
-              <a:rPr lang="en-US" smtClean="0"/>
+              <a:rPr lang="en-US"/>
               <a:t>Edit Master text styles</a:t>
             </a:r>
           </a:p>
@@ -2360,7 +2341,7 @@
           <a:p>
             <a:fld id="{C8E39FBD-7C3E-45BB-AFDF-EEFAD31240EE}" type="datetimeFigureOut">
               <a:rPr lang="en-US" smtClean="0"/>
-              <a:t>1/26/2020</a:t>
+              <a:t>6/23/2020</a:t>
             </a:fld>
             <a:endParaRPr lang="en-US"/>
           </a:p>
@@ -2469,10 +2450,9 @@
           <a:lstStyle/>
           <a:p>
             <a:r>
-              <a:rPr lang="en-US" smtClean="0"/>
+              <a:rPr lang="en-US"/>
               <a:t>Click to edit Master title style</a:t>
             </a:r>
-            <a:endParaRPr lang="en-US"/>
           </a:p>
         </p:txBody>
       </p:sp>
@@ -2503,38 +2483,37 @@
           <a:p>
             <a:pPr lvl="0"/>
             <a:r>
-              <a:rPr lang="en-US" smtClean="0"/>
+              <a:rPr lang="en-US"/>
               <a:t>Edit Master text styles</a:t>
             </a:r>
           </a:p>
           <a:p>
             <a:pPr lvl="1"/>
             <a:r>
-              <a:rPr lang="en-US" smtClean="0"/>
+              <a:rPr lang="en-US"/>
               <a:t>Second level</a:t>
             </a:r>
           </a:p>
           <a:p>
             <a:pPr lvl="2"/>
             <a:r>
-              <a:rPr lang="en-US" smtClean="0"/>
+              <a:rPr lang="en-US"/>
               <a:t>Third level</a:t>
             </a:r>
           </a:p>
           <a:p>
             <a:pPr lvl="3"/>
             <a:r>
-              <a:rPr lang="en-US" smtClean="0"/>
+              <a:rPr lang="en-US"/>
               <a:t>Fourth level</a:t>
             </a:r>
           </a:p>
           <a:p>
             <a:pPr lvl="4"/>
             <a:r>
-              <a:rPr lang="en-US" smtClean="0"/>
+              <a:rPr lang="en-US"/>
               <a:t>Fifth level</a:t>
             </a:r>
-            <a:endParaRPr lang="en-US"/>
           </a:p>
         </p:txBody>
       </p:sp>
@@ -2573,7 +2552,7 @@
           <a:p>
             <a:fld id="{C8E39FBD-7C3E-45BB-AFDF-EEFAD31240EE}" type="datetimeFigureOut">
               <a:rPr lang="en-US" smtClean="0"/>
-              <a:t>1/26/2020</a:t>
+              <a:t>6/23/2020</a:t>
             </a:fld>
             <a:endParaRPr lang="en-US"/>
           </a:p>
@@ -2997,12 +2976,8 @@
           </a:p>
           <a:p>
             <a:r>
-              <a:rPr lang="en-US" b="1" dirty="0" smtClean="0"/>
-              <a:t>“You cannot build a reputation on </a:t>
-            </a:r>
-            <a:r>
               <a:rPr lang="en-US" b="1" dirty="0"/>
-              <a:t>what you are going to do.”</a:t>
+              <a:t>“You cannot build a reputation on what you are going to do.”</a:t>
             </a:r>
           </a:p>
           <a:p>
@@ -3013,37 +2988,17 @@
               <a:buNone/>
             </a:pPr>
             <a:r>
-              <a:rPr lang="en-US" dirty="0" smtClean="0"/>
-              <a:t>                                                                                       	−Henry </a:t>
-            </a:r>
-            <a:r>
               <a:rPr lang="en-US" dirty="0"/>
-              <a:t>Ford, </a:t>
-            </a:r>
-            <a:r>
-              <a:rPr lang="en-US" dirty="0" smtClean="0"/>
-              <a:t>                                   industrialist </a:t>
-            </a:r>
+              <a:t>                                                                                       	−Henry Ford,                                    industrialist and business magnate,  </a:t>
+            </a:r>
+          </a:p>
+          <a:p>
+            <a:pPr marL="0" indent="0" algn="r">
+              <a:buNone/>
+            </a:pPr>
             <a:r>
               <a:rPr lang="en-US" dirty="0"/>
-              <a:t>and business magnate, </a:t>
-            </a:r>
-            <a:r>
-              <a:rPr lang="en-US" dirty="0" smtClean="0"/>
-              <a:t> </a:t>
-            </a:r>
-          </a:p>
-          <a:p>
-            <a:pPr marL="0" indent="0" algn="r">
-              <a:buNone/>
-            </a:pPr>
-            <a:r>
-              <a:rPr lang="en-US" dirty="0" smtClean="0"/>
-              <a:t>founder </a:t>
-            </a:r>
-            <a:r>
-              <a:rPr lang="en-US" dirty="0"/>
-              <a:t>of the Ford Motor Company</a:t>
+              <a:t>founder of the Ford Motor Company</a:t>
             </a:r>
           </a:p>
         </p:txBody>
@@ -3101,10 +3056,9 @@
           <a:lstStyle/>
           <a:p>
             <a:r>
-              <a:rPr lang="en-US" sz="3600" dirty="0" smtClean="0"/>
+              <a:rPr lang="en-US" sz="3600" dirty="0"/>
               <a:t>The Quick sort</a:t>
             </a:r>
-            <a:endParaRPr lang="en-US" sz="3600" dirty="0"/>
           </a:p>
         </p:txBody>
       </p:sp>
@@ -3134,7 +3088,7 @@
               <a:buAutoNum type="arabicPeriod"/>
             </a:pPr>
             <a:r>
-              <a:rPr lang="en-US" sz="3200" dirty="0" smtClean="0"/>
+              <a:rPr lang="en-US" sz="3200" dirty="0"/>
               <a:t>No new list created</a:t>
             </a:r>
           </a:p>
@@ -3144,7 +3098,7 @@
               <a:buAutoNum type="arabicPeriod"/>
             </a:pPr>
             <a:r>
-              <a:rPr lang="en-US" sz="3200" dirty="0" smtClean="0"/>
+              <a:rPr lang="en-US" sz="3200" dirty="0"/>
               <a:t>Use pivot to divide the list</a:t>
             </a:r>
           </a:p>
@@ -3154,15 +3108,15 @@
               <a:buAutoNum type="arabicPeriod"/>
             </a:pPr>
             <a:r>
-              <a:rPr lang="en-US" sz="3200" dirty="0" smtClean="0"/>
+              <a:rPr lang="en-US" sz="3200" dirty="0"/>
               <a:t>Solve the </a:t>
             </a:r>
             <a:r>
-              <a:rPr lang="en-US" sz="3200" dirty="0" err="1" smtClean="0"/>
+              <a:rPr lang="en-US" sz="3200" dirty="0" err="1"/>
               <a:t>sublist</a:t>
             </a:r>
             <a:r>
-              <a:rPr lang="en-US" sz="3200" dirty="0" smtClean="0"/>
+              <a:rPr lang="en-US" sz="3200" dirty="0"/>
               <a:t> case one by one</a:t>
             </a:r>
           </a:p>
@@ -3172,15 +3126,15 @@
               <a:buAutoNum type="arabicPeriod"/>
             </a:pPr>
             <a:r>
-              <a:rPr lang="en-US" sz="3200" dirty="0" smtClean="0"/>
+              <a:rPr lang="en-US" sz="3200" dirty="0"/>
               <a:t>The complexity of shell sort is between O(</a:t>
             </a:r>
             <a:r>
-              <a:rPr lang="en-US" sz="3200" dirty="0" err="1" smtClean="0"/>
+              <a:rPr lang="en-US" sz="3200" dirty="0" err="1"/>
               <a:t>nlogn</a:t>
             </a:r>
             <a:r>
-              <a:rPr lang="en-US" sz="3200" dirty="0" smtClean="0"/>
+              <a:rPr lang="en-US" sz="3200" dirty="0"/>
               <a:t>)</a:t>
             </a:r>
           </a:p>
@@ -3189,7 +3143,7 @@
               <a:buFont typeface="Arial" panose="020B0604020202020204" pitchFamily="34" charset="0"/>
               <a:buChar char="•"/>
             </a:pPr>
-            <a:endParaRPr lang="en-US" sz="3200" dirty="0" smtClean="0"/>
+            <a:endParaRPr lang="en-US" sz="3200" dirty="0"/>
           </a:p>
           <a:p>
             <a:pPr marL="457200" indent="-457200">
@@ -3257,11 +3211,7 @@
             </a:pPr>
             <a:r>
               <a:rPr lang="en-US" sz="3200" dirty="0"/>
-              <a:t>What is the complexity of the algorithm </a:t>
-            </a:r>
-            <a:r>
-              <a:rPr lang="en-US" sz="3200" dirty="0" smtClean="0"/>
-              <a:t>used?</a:t>
+              <a:t>What is the complexity of the algorithm used?</a:t>
             </a:r>
           </a:p>
           <a:p>
@@ -3270,16 +3220,8 @@
               <a:buChar char="•"/>
             </a:pPr>
             <a:r>
-              <a:rPr lang="en-US" sz="3200" dirty="0" smtClean="0"/>
-              <a:t>How </a:t>
-            </a:r>
-            <a:r>
-              <a:rPr lang="en-US" sz="3200" dirty="0"/>
-              <a:t>much space does it occupy</a:t>
-            </a:r>
-            <a:r>
-              <a:rPr lang="en-US" sz="3200" dirty="0" smtClean="0"/>
-              <a:t>?</a:t>
+              <a:rPr lang="en-US" sz="3200" dirty="0"/>
+              <a:t>How much space does it occupy?</a:t>
             </a:r>
           </a:p>
           <a:p>
@@ -3288,7 +3230,7 @@
               <a:buChar char="•"/>
             </a:pPr>
             <a:r>
-              <a:rPr lang="en-US" sz="3200" dirty="0" smtClean="0"/>
+              <a:rPr lang="en-US" sz="3200" dirty="0"/>
               <a:t>Is the sort stable?</a:t>
             </a:r>
           </a:p>
@@ -3298,7 +3240,7 @@
               <a:buChar char="•"/>
             </a:pPr>
             <a:r>
-              <a:rPr lang="en-US" sz="3200" dirty="0" smtClean="0"/>
+              <a:rPr lang="en-US" sz="3200" dirty="0"/>
               <a:t>How many comparisons and how many element swaps are need?</a:t>
             </a:r>
           </a:p>
@@ -3308,7 +3250,7 @@
               <a:buChar char="•"/>
             </a:pPr>
             <a:r>
-              <a:rPr lang="en-US" sz="3200" dirty="0" smtClean="0"/>
+              <a:rPr lang="en-US" sz="3200" dirty="0"/>
               <a:t>Is the sort adaptive?</a:t>
             </a:r>
           </a:p>
@@ -3318,7 +3260,7 @@
               <a:buChar char="•"/>
             </a:pPr>
             <a:r>
-              <a:rPr lang="en-US" sz="3200" dirty="0" smtClean="0"/>
+              <a:rPr lang="en-US" sz="3200" dirty="0"/>
               <a:t>How does it scale as the input size increases?</a:t>
             </a:r>
           </a:p>
@@ -3328,7 +3270,7 @@
               <a:buChar char="•"/>
             </a:pPr>
             <a:r>
-              <a:rPr lang="en-US" sz="3200" dirty="0" smtClean="0"/>
+              <a:rPr lang="en-US" sz="3200" dirty="0"/>
               <a:t>Does it need extra space to hold information during sorting?</a:t>
             </a:r>
           </a:p>
@@ -3338,7 +3280,7 @@
               <a:buChar char="•"/>
             </a:pPr>
             <a:r>
-              <a:rPr lang="en-US" sz="3200" dirty="0" smtClean="0"/>
+              <a:rPr lang="en-US" sz="3200" dirty="0"/>
               <a:t>Does equal elements maintain their original order after sorting?</a:t>
             </a:r>
           </a:p>
@@ -3348,7 +3290,7 @@
               <a:buChar char="•"/>
             </a:pPr>
             <a:r>
-              <a:rPr lang="en-US" sz="3200" dirty="0" smtClean="0"/>
+              <a:rPr lang="en-US" sz="3200" dirty="0"/>
               <a:t>Do the algorithms work better with nearly sorted lists?</a:t>
             </a:r>
           </a:p>
@@ -3358,7 +3300,7 @@
               <a:buChar char="•"/>
             </a:pPr>
             <a:r>
-              <a:rPr lang="en-US" sz="3200" dirty="0" smtClean="0"/>
+              <a:rPr lang="en-US" sz="3200" dirty="0"/>
               <a:t>Does it break early when the list is sorted</a:t>
             </a:r>
           </a:p>
@@ -3410,7 +3352,7 @@
         <p:spPr>
           <a:xfrm>
             <a:off x="703384" y="363915"/>
-            <a:ext cx="10779370" cy="2062103"/>
+            <a:ext cx="10779370" cy="3539430"/>
           </a:xfrm>
           <a:prstGeom prst="rect">
             <a:avLst/>
@@ -3423,7 +3365,7 @@
           <a:lstStyle/>
           <a:p>
             <a:r>
-              <a:rPr lang="en-US" sz="3200" dirty="0" smtClean="0"/>
+              <a:rPr lang="en-US" sz="3200" dirty="0"/>
               <a:t>Sample</a:t>
             </a:r>
           </a:p>
@@ -3432,7 +3374,7 @@
           </a:p>
           <a:p>
             <a:r>
-              <a:rPr lang="en-US" sz="3200" dirty="0" smtClean="0"/>
+              <a:rPr lang="en-US" sz="3200" dirty="0"/>
               <a:t>15 32 26 11 36 19 42 44 14</a:t>
             </a:r>
           </a:p>
@@ -3441,7 +3383,64 @@
               <a:buFont typeface="Arial" panose="020B0604020202020204" pitchFamily="34" charset="0"/>
               <a:buChar char="•"/>
             </a:pPr>
-            <a:endParaRPr lang="en-US" sz="3200" dirty="0"/>
+            <a:r>
+              <a:rPr lang="en-US" sz="3200" dirty="0"/>
+              <a:t>For i in range(</a:t>
+            </a:r>
+            <a:r>
+              <a:rPr lang="en-US" sz="3200" dirty="0" err="1"/>
+              <a:t>len</a:t>
+            </a:r>
+            <a:r>
+              <a:rPr lang="en-US" sz="3200" dirty="0"/>
+              <a:t>(list)):</a:t>
+            </a:r>
+          </a:p>
+          <a:p>
+            <a:pPr marL="914400" lvl="1" indent="-457200">
+              <a:buFont typeface="Arial" panose="020B0604020202020204" pitchFamily="34" charset="0"/>
+              <a:buChar char="•"/>
+            </a:pPr>
+            <a:r>
+              <a:rPr lang="en-US" sz="3200" dirty="0"/>
+              <a:t># get the item and compare it to the rest of list</a:t>
+            </a:r>
+          </a:p>
+          <a:p>
+            <a:pPr marL="914400" lvl="1" indent="-457200">
+              <a:buFont typeface="Arial" panose="020B0604020202020204" pitchFamily="34" charset="0"/>
+              <a:buChar char="•"/>
+            </a:pPr>
+            <a:r>
+              <a:rPr lang="en-US" sz="3200" dirty="0"/>
+              <a:t># for </a:t>
+            </a:r>
+            <a:r>
+              <a:rPr lang="en-US" sz="3200" dirty="0" err="1"/>
+              <a:t>otheritem</a:t>
+            </a:r>
+            <a:r>
+              <a:rPr lang="en-US" sz="3200" dirty="0"/>
+              <a:t> in </a:t>
+            </a:r>
+            <a:r>
+              <a:rPr lang="en-US" sz="3200" dirty="0" err="1"/>
+              <a:t>sublist</a:t>
+            </a:r>
+            <a:r>
+              <a:rPr lang="en-US" sz="3200" dirty="0"/>
+              <a:t>:</a:t>
+            </a:r>
+          </a:p>
+          <a:p>
+            <a:pPr marL="914400" lvl="1" indent="-457200">
+              <a:buFont typeface="Arial" panose="020B0604020202020204" pitchFamily="34" charset="0"/>
+              <a:buChar char="•"/>
+            </a:pPr>
+            <a:r>
+              <a:rPr lang="en-US" sz="3200" dirty="0"/>
+              <a:t>For j in range(i+1:):</a:t>
+            </a:r>
           </a:p>
         </p:txBody>
       </p:sp>
@@ -3501,7 +3500,7 @@
               <a:buAutoNum type="arabicPeriod"/>
             </a:pPr>
             <a:r>
-              <a:rPr lang="en-US" sz="2400" dirty="0" smtClean="0"/>
+              <a:rPr lang="en-US" sz="2400" dirty="0"/>
               <a:t>Define a number list;</a:t>
             </a:r>
           </a:p>
@@ -3511,7 +3510,7 @@
               <a:buAutoNum type="arabicPeriod"/>
             </a:pPr>
             <a:r>
-              <a:rPr lang="en-US" sz="2400" dirty="0" smtClean="0"/>
+              <a:rPr lang="en-US" sz="2400" dirty="0"/>
               <a:t>Select a number in the list and assume it is the smallest number;</a:t>
             </a:r>
           </a:p>
@@ -3521,7 +3520,7 @@
               <a:buAutoNum type="arabicPeriod"/>
             </a:pPr>
             <a:r>
-              <a:rPr lang="en-US" sz="2400" dirty="0" smtClean="0"/>
+              <a:rPr lang="en-US" sz="2400" dirty="0"/>
               <a:t>Place it to front of list;</a:t>
             </a:r>
           </a:p>
@@ -3531,7 +3530,7 @@
               <a:buAutoNum type="arabicPeriod"/>
             </a:pPr>
             <a:r>
-              <a:rPr lang="en-US" sz="2400" dirty="0" smtClean="0"/>
+              <a:rPr lang="en-US" sz="2400" dirty="0"/>
               <a:t>Compare this number with other elements, and if the other one is smaller, swap the position.</a:t>
             </a:r>
           </a:p>
@@ -3541,7 +3540,7 @@
               <a:buAutoNum type="arabicPeriod"/>
             </a:pPr>
             <a:r>
-              <a:rPr lang="en-US" sz="2400" dirty="0" smtClean="0"/>
+              <a:rPr lang="en-US" sz="2400" dirty="0"/>
               <a:t>Repeat step 2 with the rest list</a:t>
             </a:r>
           </a:p>
@@ -3550,7 +3549,7 @@
               <a:buFont typeface="Arial" panose="020B0604020202020204" pitchFamily="34" charset="0"/>
               <a:buChar char="•"/>
             </a:pPr>
-            <a:endParaRPr lang="en-US" sz="3200" dirty="0" smtClean="0"/>
+            <a:endParaRPr lang="en-US" sz="3200" dirty="0"/>
           </a:p>
           <a:p>
             <a:pPr marL="457200" indent="-457200">
@@ -3558,7 +3557,7 @@
               <a:buChar char="•"/>
             </a:pPr>
             <a:r>
-              <a:rPr lang="en-US" sz="3200" dirty="0" smtClean="0"/>
+              <a:rPr lang="en-US" sz="3200" dirty="0"/>
               <a:t>The time complexity is O(n**2) (compare) + O(n) (swap)</a:t>
             </a:r>
           </a:p>
@@ -3587,10 +3586,9 @@
           <a:lstStyle/>
           <a:p>
             <a:r>
-              <a:rPr lang="en-US" sz="3600" dirty="0" smtClean="0"/>
+              <a:rPr lang="en-US" sz="3600" dirty="0"/>
               <a:t>The Select Sort - Algorithm </a:t>
             </a:r>
-            <a:endParaRPr lang="en-US" sz="3600" dirty="0"/>
           </a:p>
         </p:txBody>
       </p:sp>
@@ -3620,7 +3618,7 @@
               <a:buAutoNum type="arabicPeriod"/>
             </a:pPr>
             <a:r>
-              <a:rPr lang="en-US" sz="3200" dirty="0" smtClean="0"/>
+              <a:rPr lang="en-US" sz="3200" dirty="0"/>
               <a:t>No new list created</a:t>
             </a:r>
           </a:p>
@@ -3630,7 +3628,7 @@
               <a:buAutoNum type="arabicPeriod"/>
             </a:pPr>
             <a:r>
-              <a:rPr lang="en-US" sz="3200" dirty="0" smtClean="0"/>
+              <a:rPr lang="en-US" sz="3200" dirty="0"/>
               <a:t>Select the smallest and place it to the front</a:t>
             </a:r>
           </a:p>
@@ -3640,7 +3638,7 @@
               <a:buAutoNum type="arabicPeriod"/>
             </a:pPr>
             <a:r>
-              <a:rPr lang="en-US" sz="3200" dirty="0" smtClean="0"/>
+              <a:rPr lang="en-US" sz="3200" dirty="0"/>
               <a:t>Repeat step 2 for rest of the list</a:t>
             </a:r>
           </a:p>
@@ -3649,7 +3647,7 @@
               <a:buFont typeface="Arial" panose="020B0604020202020204" pitchFamily="34" charset="0"/>
               <a:buChar char="•"/>
             </a:pPr>
-            <a:endParaRPr lang="en-US" sz="3200" dirty="0" smtClean="0"/>
+            <a:endParaRPr lang="en-US" sz="3200" dirty="0"/>
           </a:p>
           <a:p>
             <a:pPr marL="457200" indent="-457200">
@@ -3713,10 +3711,9 @@
           <a:lstStyle/>
           <a:p>
             <a:r>
-              <a:rPr lang="en-US" sz="3600" dirty="0" smtClean="0"/>
+              <a:rPr lang="en-US" sz="3600" dirty="0"/>
               <a:t>The Bubble Sort - Algorithm </a:t>
             </a:r>
-            <a:endParaRPr lang="en-US" sz="3600" dirty="0"/>
           </a:p>
         </p:txBody>
       </p:sp>
@@ -3746,7 +3743,7 @@
               <a:buAutoNum type="arabicPeriod"/>
             </a:pPr>
             <a:r>
-              <a:rPr lang="en-US" sz="3200" dirty="0" smtClean="0"/>
+              <a:rPr lang="en-US" sz="3200" dirty="0"/>
               <a:t>No new list created</a:t>
             </a:r>
           </a:p>
@@ -3756,7 +3753,7 @@
               <a:buAutoNum type="arabicPeriod"/>
             </a:pPr>
             <a:r>
-              <a:rPr lang="en-US" sz="3200" dirty="0" smtClean="0"/>
+              <a:rPr lang="en-US" sz="3200" dirty="0"/>
               <a:t>Compare the 2 numbers next to each other and swap if the first is bigger </a:t>
             </a:r>
           </a:p>
@@ -3766,12 +3763,8 @@
               <a:buAutoNum type="arabicPeriod"/>
             </a:pPr>
             <a:r>
-              <a:rPr lang="en-US" sz="3200" dirty="0" smtClean="0"/>
-              <a:t>Repeat step 2 for rest of the list until there is no swap happened on all elements of </a:t>
-            </a:r>
-            <a:r>
-              <a:rPr lang="en-US" sz="3200" dirty="0" smtClean="0"/>
-              <a:t>list</a:t>
+              <a:rPr lang="en-US" sz="3200" dirty="0"/>
+              <a:t>Repeat step 2 for rest of the list until there is no swap happened on all elements of list</a:t>
             </a:r>
           </a:p>
           <a:p>
@@ -3779,7 +3772,7 @@
               <a:buFont typeface="+mj-lt"/>
               <a:buAutoNum type="arabicPeriod"/>
             </a:pPr>
-            <a:endParaRPr lang="en-US" sz="2400" dirty="0" smtClean="0"/>
+            <a:endParaRPr lang="en-US" sz="2400" dirty="0"/>
           </a:p>
           <a:p>
             <a:pPr marL="514350" indent="-514350">
@@ -3787,7 +3780,7 @@
               <a:buChar char="•"/>
             </a:pPr>
             <a:r>
-              <a:rPr lang="en-US" sz="2400" dirty="0" smtClean="0"/>
+              <a:rPr lang="en-US" sz="2400" dirty="0"/>
               <a:t>Loop to the whole list</a:t>
             </a:r>
           </a:p>
@@ -3797,32 +3790,31 @@
               <a:buChar char="•"/>
             </a:pPr>
             <a:r>
-              <a:rPr lang="en-US" sz="2400" dirty="0" smtClean="0"/>
+              <a:rPr lang="en-US" sz="2400" dirty="0"/>
               <a:t>Select i+1 number to compare with the previous one (Loop from </a:t>
             </a:r>
             <a:r>
-              <a:rPr lang="en-US" sz="2400" dirty="0" err="1" smtClean="0"/>
+              <a:rPr lang="en-US" sz="2400" dirty="0" err="1"/>
               <a:t>i</a:t>
             </a:r>
             <a:r>
-              <a:rPr lang="en-US" sz="2400" dirty="0" smtClean="0"/>
+              <a:rPr lang="en-US" sz="2400" dirty="0"/>
               <a:t> to 0)</a:t>
             </a:r>
           </a:p>
           <a:p>
             <a:pPr lvl="1"/>
             <a:r>
-              <a:rPr lang="en-US" sz="2400" dirty="0" smtClean="0"/>
+              <a:rPr lang="en-US" sz="2400" dirty="0"/>
               <a:t>	Comparison and then swap if needed. </a:t>
             </a:r>
-            <a:endParaRPr lang="en-US" sz="2400" dirty="0"/>
           </a:p>
           <a:p>
             <a:pPr marL="514350" indent="-514350">
               <a:buFont typeface="+mj-lt"/>
               <a:buAutoNum type="arabicPeriod"/>
             </a:pPr>
-            <a:endParaRPr lang="en-US" sz="3200" dirty="0" smtClean="0"/>
+            <a:endParaRPr lang="en-US" sz="3200" dirty="0"/>
           </a:p>
           <a:p>
             <a:r>
@@ -3831,14 +3823,14 @@
             </a:r>
           </a:p>
           <a:p>
-            <a:endParaRPr lang="en-US" sz="3200" dirty="0" smtClean="0"/>
+            <a:endParaRPr lang="en-US" sz="3200" dirty="0"/>
           </a:p>
           <a:p>
             <a:pPr marL="457200" indent="-457200">
               <a:buFont typeface="Arial" panose="020B0604020202020204" pitchFamily="34" charset="0"/>
               <a:buChar char="•"/>
             </a:pPr>
-            <a:endParaRPr lang="en-US" sz="3200" dirty="0" smtClean="0"/>
+            <a:endParaRPr lang="en-US" sz="3200" dirty="0"/>
           </a:p>
           <a:p>
             <a:pPr marL="457200" indent="-457200">
@@ -3900,7 +3892,7 @@
           </a:bodyPr>
           <a:lstStyle/>
           <a:p>
-            <a:endParaRPr lang="en-US" sz="3200" dirty="0" smtClean="0"/>
+            <a:endParaRPr lang="en-US" sz="3200" dirty="0"/>
           </a:p>
           <a:p>
             <a:pPr marL="457200" indent="-457200">
@@ -3908,7 +3900,7 @@
               <a:buChar char="•"/>
             </a:pPr>
             <a:r>
-              <a:rPr lang="en-US" sz="3200" dirty="0" smtClean="0"/>
+              <a:rPr lang="en-US" sz="3200" dirty="0"/>
               <a:t>The time complexity is O(n**2) ( </a:t>
             </a:r>
           </a:p>
@@ -3937,10 +3929,9 @@
           <a:lstStyle/>
           <a:p>
             <a:r>
-              <a:rPr lang="en-US" sz="3600" dirty="0" smtClean="0"/>
+              <a:rPr lang="en-US" sz="3600" dirty="0"/>
               <a:t>The Insertion Sort - Algorithm </a:t>
             </a:r>
-            <a:endParaRPr lang="en-US" sz="3600" dirty="0"/>
           </a:p>
         </p:txBody>
       </p:sp>
@@ -3970,7 +3961,7 @@
               <a:buAutoNum type="arabicPeriod"/>
             </a:pPr>
             <a:r>
-              <a:rPr lang="en-US" sz="3200" dirty="0" smtClean="0"/>
+              <a:rPr lang="en-US" sz="3200" dirty="0"/>
               <a:t>No new list created</a:t>
             </a:r>
           </a:p>
@@ -3980,7 +3971,7 @@
               <a:buAutoNum type="arabicPeriod"/>
             </a:pPr>
             <a:r>
-              <a:rPr lang="en-US" sz="3200" dirty="0" smtClean="0"/>
+              <a:rPr lang="en-US" sz="3200" dirty="0"/>
               <a:t>Compare the first 2 numbers and swap if the first is bigger called it sorted</a:t>
             </a:r>
           </a:p>
@@ -3990,7 +3981,7 @@
               <a:buAutoNum type="arabicPeriod"/>
             </a:pPr>
             <a:r>
-              <a:rPr lang="en-US" sz="3200" dirty="0" smtClean="0"/>
+              <a:rPr lang="en-US" sz="3200" dirty="0"/>
               <a:t>Look into the rest unsorted, and select the first one</a:t>
             </a:r>
           </a:p>
@@ -4000,7 +3991,7 @@
               <a:buAutoNum type="arabicPeriod"/>
             </a:pPr>
             <a:r>
-              <a:rPr lang="en-US" sz="3200" dirty="0" smtClean="0"/>
+              <a:rPr lang="en-US" sz="3200" dirty="0"/>
               <a:t>Compare this number in the sorted list from left to right and swap if need until this number is larger than the right one.</a:t>
             </a:r>
           </a:p>
@@ -4010,7 +4001,7 @@
               <a:buAutoNum type="arabicPeriod"/>
             </a:pPr>
             <a:r>
-              <a:rPr lang="en-US" sz="3200" dirty="0" smtClean="0"/>
+              <a:rPr lang="en-US" sz="3200" dirty="0"/>
               <a:t>Repeat step 2-4 for rest of the list. </a:t>
             </a:r>
           </a:p>
@@ -4019,7 +4010,7 @@
               <a:buFont typeface="Arial" panose="020B0604020202020204" pitchFamily="34" charset="0"/>
               <a:buChar char="•"/>
             </a:pPr>
-            <a:endParaRPr lang="en-US" sz="3200" dirty="0" smtClean="0"/>
+            <a:endParaRPr lang="en-US" sz="3200" dirty="0"/>
           </a:p>
           <a:p>
             <a:pPr marL="457200" indent="-457200">
@@ -4083,10 +4074,9 @@
           <a:lstStyle/>
           <a:p>
             <a:r>
-              <a:rPr lang="en-US" sz="3600" dirty="0" smtClean="0"/>
+              <a:rPr lang="en-US" sz="3600" dirty="0"/>
               <a:t>The Insertion &amp; Bubble Comparison </a:t>
             </a:r>
-            <a:endParaRPr lang="en-US" sz="3600" dirty="0"/>
           </a:p>
         </p:txBody>
       </p:sp>
@@ -4116,7 +4106,7 @@
               <a:buAutoNum type="arabicPeriod"/>
             </a:pPr>
             <a:r>
-              <a:rPr lang="en-US" sz="3200" dirty="0" smtClean="0"/>
+              <a:rPr lang="en-US" sz="3200" dirty="0"/>
               <a:t>Bubble sort requires an additional pass over all elements to ensure that the list is fully sorted</a:t>
             </a:r>
           </a:p>
@@ -4126,7 +4116,7 @@
               <a:buAutoNum type="arabicPeriod"/>
             </a:pPr>
             <a:r>
-              <a:rPr lang="en-US" sz="3200" dirty="0" smtClean="0"/>
+              <a:rPr lang="en-US" sz="3200" dirty="0"/>
               <a:t>Bubble sort has to do N comparisons at every step</a:t>
             </a:r>
           </a:p>
@@ -4136,7 +4126,7 @@
               <a:buAutoNum type="arabicPeriod"/>
             </a:pPr>
             <a:r>
-              <a:rPr lang="en-US" sz="3200" dirty="0" smtClean="0"/>
+              <a:rPr lang="en-US" sz="3200" dirty="0"/>
               <a:t>Bubble sort performs poorly because of the number of writes and swaps</a:t>
             </a:r>
           </a:p>
@@ -4146,7 +4136,7 @@
               <a:buAutoNum type="arabicPeriod"/>
             </a:pPr>
             <a:r>
-              <a:rPr lang="en-US" sz="3200" dirty="0" smtClean="0"/>
+              <a:rPr lang="en-US" sz="3200" dirty="0"/>
               <a:t>Insertion sort can reduce comparison</a:t>
             </a:r>
           </a:p>
@@ -4155,7 +4145,7 @@
               <a:buFont typeface="Arial" panose="020B0604020202020204" pitchFamily="34" charset="0"/>
               <a:buChar char="•"/>
             </a:pPr>
-            <a:endParaRPr lang="en-US" sz="3200" dirty="0" smtClean="0"/>
+            <a:endParaRPr lang="en-US" sz="3200" dirty="0"/>
           </a:p>
           <a:p>
             <a:pPr marL="457200" indent="-457200">
@@ -4219,10 +4209,9 @@
           <a:lstStyle/>
           <a:p>
             <a:r>
-              <a:rPr lang="en-US" sz="3600" dirty="0" smtClean="0"/>
+              <a:rPr lang="en-US" sz="3600" dirty="0"/>
               <a:t>The Shell Sort - Algorithm </a:t>
             </a:r>
-            <a:endParaRPr lang="en-US" sz="3600" dirty="0"/>
           </a:p>
         </p:txBody>
       </p:sp>
@@ -4252,7 +4241,7 @@
               <a:buAutoNum type="arabicPeriod"/>
             </a:pPr>
             <a:r>
-              <a:rPr lang="en-US" sz="3200" dirty="0" smtClean="0"/>
+              <a:rPr lang="en-US" sz="3200" dirty="0"/>
               <a:t>No new list created</a:t>
             </a:r>
           </a:p>
@@ -4262,14 +4251,14 @@
               <a:buAutoNum type="arabicPeriod"/>
             </a:pPr>
             <a:r>
-              <a:rPr lang="en-US" sz="3200" dirty="0" smtClean="0"/>
+              <a:rPr lang="en-US" sz="3200" dirty="0"/>
               <a:t>Divide entire list into a larger number of </a:t>
             </a:r>
             <a:r>
-              <a:rPr lang="en-US" sz="3200" dirty="0" err="1" smtClean="0"/>
+              <a:rPr lang="en-US" sz="3200" dirty="0" err="1"/>
               <a:t>sublists</a:t>
             </a:r>
-            <a:endParaRPr lang="en-US" sz="3200" dirty="0" smtClean="0"/>
+            <a:endParaRPr lang="en-US" sz="3200" dirty="0"/>
           </a:p>
           <a:p>
             <a:pPr marL="514350" indent="-514350">
@@ -4277,22 +4266,14 @@
               <a:buAutoNum type="arabicPeriod"/>
             </a:pPr>
             <a:r>
-              <a:rPr lang="en-US" sz="3200" dirty="0" smtClean="0"/>
-              <a:t>Use </a:t>
-            </a:r>
-            <a:r>
-              <a:rPr lang="en-US" sz="3200" dirty="0"/>
-              <a:t>insertion sort </a:t>
-            </a:r>
-            <a:r>
-              <a:rPr lang="en-US" sz="3200" dirty="0" smtClean="0"/>
-              <a:t>on each </a:t>
-            </a:r>
-            <a:r>
-              <a:rPr lang="en-US" sz="3200" dirty="0" err="1" smtClean="0"/>
+              <a:rPr lang="en-US" sz="3200" dirty="0"/>
+              <a:t>Use insertion sort on each </a:t>
+            </a:r>
+            <a:r>
+              <a:rPr lang="en-US" sz="3200" dirty="0" err="1"/>
               <a:t>sublist</a:t>
             </a:r>
-            <a:endParaRPr lang="en-US" sz="3200" dirty="0" smtClean="0"/>
+            <a:endParaRPr lang="en-US" sz="3200" dirty="0"/>
           </a:p>
           <a:p>
             <a:pPr marL="514350" indent="-514350">
@@ -4300,15 +4281,15 @@
               <a:buAutoNum type="arabicPeriod"/>
             </a:pPr>
             <a:r>
-              <a:rPr lang="en-US" sz="3200" dirty="0" smtClean="0"/>
+              <a:rPr lang="en-US" sz="3200" dirty="0"/>
               <a:t>Choose decrease number of </a:t>
             </a:r>
             <a:r>
-              <a:rPr lang="en-US" sz="3200" dirty="0" err="1" smtClean="0"/>
+              <a:rPr lang="en-US" sz="3200" dirty="0" err="1"/>
               <a:t>sublists</a:t>
             </a:r>
             <a:r>
-              <a:rPr lang="en-US" sz="3200" dirty="0" smtClean="0"/>
+              <a:rPr lang="en-US" sz="3200" dirty="0"/>
               <a:t> to 1</a:t>
             </a:r>
           </a:p>
@@ -4318,7 +4299,7 @@
               <a:buAutoNum type="arabicPeriod"/>
             </a:pPr>
             <a:r>
-              <a:rPr lang="en-US" sz="3200" dirty="0" smtClean="0"/>
+              <a:rPr lang="en-US" sz="3200" dirty="0"/>
               <a:t>The complexity of shell sort is between O(n) to O(n**2)</a:t>
             </a:r>
           </a:p>
@@ -4327,7 +4308,7 @@
               <a:buFont typeface="Arial" panose="020B0604020202020204" pitchFamily="34" charset="0"/>
               <a:buChar char="•"/>
             </a:pPr>
-            <a:endParaRPr lang="en-US" sz="3200" dirty="0" smtClean="0"/>
+            <a:endParaRPr lang="en-US" sz="3200" dirty="0"/>
           </a:p>
           <a:p>
             <a:pPr marL="457200" indent="-457200">
@@ -4391,10 +4372,9 @@
           <a:lstStyle/>
           <a:p>
             <a:r>
-              <a:rPr lang="en-US" sz="3600" dirty="0" smtClean="0"/>
+              <a:rPr lang="en-US" sz="3600" dirty="0"/>
               <a:t>The Merge sort- Divide &amp; Conquer with Recursion</a:t>
             </a:r>
-            <a:endParaRPr lang="en-US" sz="3600" dirty="0"/>
           </a:p>
         </p:txBody>
       </p:sp>
@@ -4424,7 +4404,7 @@
               <a:buAutoNum type="arabicPeriod"/>
             </a:pPr>
             <a:r>
-              <a:rPr lang="en-US" sz="3200" dirty="0" smtClean="0"/>
+              <a:rPr lang="en-US" sz="3200" dirty="0"/>
               <a:t>No new list created</a:t>
             </a:r>
           </a:p>
@@ -4434,14 +4414,14 @@
               <a:buAutoNum type="arabicPeriod"/>
             </a:pPr>
             <a:r>
-              <a:rPr lang="en-US" sz="3200" dirty="0" smtClean="0"/>
+              <a:rPr lang="en-US" sz="3200" dirty="0"/>
               <a:t>Divide entire list into </a:t>
             </a:r>
             <a:r>
-              <a:rPr lang="en-US" sz="3200" dirty="0" err="1" smtClean="0"/>
+              <a:rPr lang="en-US" sz="3200" dirty="0" err="1"/>
               <a:t>sublists</a:t>
             </a:r>
-            <a:endParaRPr lang="en-US" sz="3200" dirty="0" smtClean="0"/>
+            <a:endParaRPr lang="en-US" sz="3200" dirty="0"/>
           </a:p>
           <a:p>
             <a:pPr marL="514350" indent="-514350">
@@ -4449,7 +4429,7 @@
               <a:buAutoNum type="arabicPeriod"/>
             </a:pPr>
             <a:r>
-              <a:rPr lang="en-US" sz="3200" dirty="0" smtClean="0"/>
+              <a:rPr lang="en-US" sz="3200" dirty="0"/>
               <a:t>Solve the trivial case and then build up the complete solution as recursion unwinds </a:t>
             </a:r>
           </a:p>
@@ -4459,15 +4439,15 @@
               <a:buAutoNum type="arabicPeriod"/>
             </a:pPr>
             <a:r>
-              <a:rPr lang="en-US" sz="3200" dirty="0" smtClean="0"/>
+              <a:rPr lang="en-US" sz="3200" dirty="0"/>
               <a:t>The complexity of shell sort is between O(</a:t>
             </a:r>
             <a:r>
-              <a:rPr lang="en-US" sz="3200" dirty="0" err="1" smtClean="0"/>
+              <a:rPr lang="en-US" sz="3200" dirty="0" err="1"/>
               <a:t>nlogn</a:t>
             </a:r>
             <a:r>
-              <a:rPr lang="en-US" sz="3200" dirty="0" smtClean="0"/>
+              <a:rPr lang="en-US" sz="3200" dirty="0"/>
               <a:t>)</a:t>
             </a:r>
           </a:p>
@@ -4476,7 +4456,7 @@
               <a:buFont typeface="Arial" panose="020B0604020202020204" pitchFamily="34" charset="0"/>
               <a:buChar char="•"/>
             </a:pPr>
-            <a:endParaRPr lang="en-US" sz="3200" dirty="0" smtClean="0"/>
+            <a:endParaRPr lang="en-US" sz="3200" dirty="0"/>
           </a:p>
           <a:p>
             <a:pPr marL="457200" indent="-457200">
@@ -4762,21 +4742,6 @@
 </file>
 
 <file path=customXml/item1.xml><?xml version="1.0" encoding="utf-8"?>
-<p:properties xmlns:p="http://schemas.microsoft.com/office/2006/metadata/properties" xmlns:xsi="http://www.w3.org/2001/XMLSchema-instance" xmlns:pc="http://schemas.microsoft.com/office/infopath/2007/PartnerControls">
-  <documentManagement/>
-</p:properties>
-</file>
-
-<file path=customXml/item2.xml><?xml version="1.0" encoding="utf-8"?>
-<?mso-contentType ?>
-<FormTemplates xmlns="http://schemas.microsoft.com/sharepoint/v3/contenttype/forms">
-  <Display>DocumentLibraryForm</Display>
-  <Edit>DocumentLibraryForm</Edit>
-  <New>DocumentLibraryForm</New>
-</FormTemplates>
-</file>
-
-<file path=customXml/item3.xml><?xml version="1.0" encoding="utf-8"?>
 <ct:contentTypeSchema xmlns:ct="http://schemas.microsoft.com/office/2006/metadata/contentType" xmlns:ma="http://schemas.microsoft.com/office/2006/metadata/properties/metaAttributes" ct:_="" ma:_="" ma:contentTypeName="Document" ma:contentTypeID="0x0101005C95E28EB4F1AE4EA830B9DDD08CC1FF" ma:contentTypeVersion="10" ma:contentTypeDescription="Create a new document." ma:contentTypeScope="" ma:versionID="20dfb4a97035722bd5d5d54ec6843d9f">
   <xsd:schema xmlns:xsd="http://www.w3.org/2001/XMLSchema" xmlns:xs="http://www.w3.org/2001/XMLSchema" xmlns:p="http://schemas.microsoft.com/office/2006/metadata/properties" xmlns:ns3="e952817d-e710-49f8-8fe8-670d54f74e49" targetNamespace="http://schemas.microsoft.com/office/2006/metadata/properties" ma:root="true" ma:fieldsID="b2a36c1fa72a9e04b3dfa6c9447ebb14" ns3:_="">
     <xsd:import namespace="e952817d-e710-49f8-8fe8-670d54f74e49"/>
@@ -4960,31 +4925,22 @@
 </ct:contentTypeSchema>
 </file>
 
-<file path=customXml/itemProps1.xml><?xml version="1.0" encoding="utf-8"?>
-<ds:datastoreItem xmlns:ds="http://schemas.openxmlformats.org/officeDocument/2006/customXml" ds:itemID="{FFE6046F-9901-4E69-8CA8-B7DC6E98221C}">
-  <ds:schemaRefs>
-    <ds:schemaRef ds:uri="http://schemas.microsoft.com/office/2006/documentManagement/types"/>
-    <ds:schemaRef ds:uri="http://purl.org/dc/terms/"/>
-    <ds:schemaRef ds:uri="http://schemas.openxmlformats.org/package/2006/metadata/core-properties"/>
-    <ds:schemaRef ds:uri="http://purl.org/dc/dcmitype/"/>
-    <ds:schemaRef ds:uri="http://schemas.microsoft.com/office/infopath/2007/PartnerControls"/>
-    <ds:schemaRef ds:uri="e952817d-e710-49f8-8fe8-670d54f74e49"/>
-    <ds:schemaRef ds:uri="http://purl.org/dc/elements/1.1/"/>
-    <ds:schemaRef ds:uri="http://schemas.microsoft.com/office/2006/metadata/properties"/>
-    <ds:schemaRef ds:uri="http://www.w3.org/XML/1998/namespace"/>
-  </ds:schemaRefs>
-</ds:datastoreItem>
+<file path=customXml/item2.xml><?xml version="1.0" encoding="utf-8"?>
+<?mso-contentType ?>
+<FormTemplates xmlns="http://schemas.microsoft.com/sharepoint/v3/contenttype/forms">
+  <Display>DocumentLibraryForm</Display>
+  <Edit>DocumentLibraryForm</Edit>
+  <New>DocumentLibraryForm</New>
+</FormTemplates>
 </file>
 
-<file path=customXml/itemProps2.xml><?xml version="1.0" encoding="utf-8"?>
-<ds:datastoreItem xmlns:ds="http://schemas.openxmlformats.org/officeDocument/2006/customXml" ds:itemID="{D29587FA-A40E-4390-8009-63C6E592F382}">
-  <ds:schemaRefs>
-    <ds:schemaRef ds:uri="http://schemas.microsoft.com/sharepoint/v3/contenttype/forms"/>
-  </ds:schemaRefs>
-</ds:datastoreItem>
+<file path=customXml/item3.xml><?xml version="1.0" encoding="utf-8"?>
+<p:properties xmlns:p="http://schemas.microsoft.com/office/2006/metadata/properties" xmlns:xsi="http://www.w3.org/2001/XMLSchema-instance" xmlns:pc="http://schemas.microsoft.com/office/infopath/2007/PartnerControls">
+  <documentManagement/>
+</p:properties>
 </file>
 
-<file path=customXml/itemProps3.xml><?xml version="1.0" encoding="utf-8"?>
+<file path=customXml/itemProps1.xml><?xml version="1.0" encoding="utf-8"?>
 <ds:datastoreItem xmlns:ds="http://schemas.openxmlformats.org/officeDocument/2006/customXml" ds:itemID="{7967E277-D608-4405-A063-12E47B823AA5}">
   <ds:schemaRefs>
     <ds:schemaRef ds:uri="http://schemas.microsoft.com/office/2006/metadata/contentType"/>
@@ -5000,4 +4956,28 @@
     <ds:schemaRef ds:uri="http://schemas.microsoft.com/internal/obd"/>
   </ds:schemaRefs>
 </ds:datastoreItem>
+</file>
+
+<file path=customXml/itemProps2.xml><?xml version="1.0" encoding="utf-8"?>
+<ds:datastoreItem xmlns:ds="http://schemas.openxmlformats.org/officeDocument/2006/customXml" ds:itemID="{D29587FA-A40E-4390-8009-63C6E592F382}">
+  <ds:schemaRefs>
+    <ds:schemaRef ds:uri="http://schemas.microsoft.com/sharepoint/v3/contenttype/forms"/>
+  </ds:schemaRefs>
+</ds:datastoreItem>
+</file>
+
+<file path=customXml/itemProps3.xml><?xml version="1.0" encoding="utf-8"?>
+<ds:datastoreItem xmlns:ds="http://schemas.openxmlformats.org/officeDocument/2006/customXml" ds:itemID="{FFE6046F-9901-4E69-8CA8-B7DC6E98221C}">
+  <ds:schemaRefs>
+    <ds:schemaRef ds:uri="http://schemas.microsoft.com/office/2006/documentManagement/types"/>
+    <ds:schemaRef ds:uri="http://purl.org/dc/terms/"/>
+    <ds:schemaRef ds:uri="http://schemas.openxmlformats.org/package/2006/metadata/core-properties"/>
+    <ds:schemaRef ds:uri="http://purl.org/dc/dcmitype/"/>
+    <ds:schemaRef ds:uri="http://schemas.microsoft.com/office/infopath/2007/PartnerControls"/>
+    <ds:schemaRef ds:uri="e952817d-e710-49f8-8fe8-670d54f74e49"/>
+    <ds:schemaRef ds:uri="http://purl.org/dc/elements/1.1/"/>
+    <ds:schemaRef ds:uri="http://schemas.microsoft.com/office/2006/metadata/properties"/>
+    <ds:schemaRef ds:uri="http://www.w3.org/XML/1998/namespace"/>
+  </ds:schemaRefs>
+</ds:datastoreItem>
 </file>